--- a/cloud_computing_mid.pptx
+++ b/cloud_computing_mid.pptx
@@ -10,9 +10,11 @@
     <p:sldId id="261" r:id="rId4"/>
     <p:sldId id="263" r:id="rId5"/>
     <p:sldId id="262" r:id="rId6"/>
-    <p:sldId id="258" r:id="rId7"/>
-    <p:sldId id="259" r:id="rId8"/>
-    <p:sldId id="260" r:id="rId9"/>
+    <p:sldId id="264" r:id="rId7"/>
+    <p:sldId id="258" r:id="rId8"/>
+    <p:sldId id="259" r:id="rId9"/>
+    <p:sldId id="260" r:id="rId10"/>
+    <p:sldId id="265" r:id="rId11"/>
   </p:sldIdLst>
   <p:sldSz cx="12192000" cy="6858000"/>
   <p:notesSz cx="6858000" cy="9144000"/>
@@ -214,7 +216,7 @@
           <a:effectLst/>
           <a:extLst>
             <a:ext uri="{91240B29-F687-4f45-9708-019B960494DF}">
-              <a14:hiddenLine xmlns="" xmlns:a14="http://schemas.microsoft.com/office/drawing/2010/main" w="9525">
+              <a14:hiddenLine xmlns:a14="http://schemas.microsoft.com/office/drawing/2010/main" xmlns="" w="9525">
                 <a:solidFill>
                   <a:srgbClr val="000000"/>
                 </a:solidFill>
@@ -1736,7 +1738,7 @@
           <a:ln/>
           <a:extLst>
             <a:ext uri="{91240B29-F687-4f45-9708-019B960494DF}">
-              <a14:hiddenLine xmlns="" xmlns:a14="http://schemas.microsoft.com/office/drawing/2010/main" w="9525">
+              <a14:hiddenLine xmlns:a14="http://schemas.microsoft.com/office/drawing/2010/main" xmlns="" w="9525">
                 <a:solidFill>
                   <a:srgbClr val="000000"/>
                 </a:solidFill>
@@ -2011,7 +2013,7 @@
           <a:ln/>
           <a:extLst>
             <a:ext uri="{91240B29-F687-4f45-9708-019B960494DF}">
-              <a14:hiddenLine xmlns="" xmlns:a14="http://schemas.microsoft.com/office/drawing/2010/main" w="9525">
+              <a14:hiddenLine xmlns:a14="http://schemas.microsoft.com/office/drawing/2010/main" xmlns="" w="9525">
                 <a:solidFill>
                   <a:srgbClr val="000000"/>
                 </a:solidFill>
@@ -2294,7 +2296,7 @@
           <a:ln/>
           <a:extLst>
             <a:ext uri="{91240B29-F687-4f45-9708-019B960494DF}">
-              <a14:hiddenLine xmlns="" xmlns:a14="http://schemas.microsoft.com/office/drawing/2010/main" w="9525">
+              <a14:hiddenLine xmlns:a14="http://schemas.microsoft.com/office/drawing/2010/main" xmlns="" w="9525">
                 <a:solidFill>
                   <a:srgbClr val="000000"/>
                 </a:solidFill>
@@ -2920,7 +2922,7 @@
           <a:ln/>
           <a:extLst>
             <a:ext uri="{91240B29-F687-4f45-9708-019B960494DF}">
-              <a14:hiddenLine xmlns="" xmlns:a14="http://schemas.microsoft.com/office/drawing/2010/main" w="9525">
+              <a14:hiddenLine xmlns:a14="http://schemas.microsoft.com/office/drawing/2010/main" xmlns="" w="9525">
                 <a:solidFill>
                   <a:srgbClr val="000000"/>
                 </a:solidFill>
@@ -3259,7 +3261,7 @@
           <a:ln/>
           <a:extLst>
             <a:ext uri="{91240B29-F687-4f45-9708-019B960494DF}">
-              <a14:hiddenLine xmlns="" xmlns:a14="http://schemas.microsoft.com/office/drawing/2010/main" w="9525">
+              <a14:hiddenLine xmlns:a14="http://schemas.microsoft.com/office/drawing/2010/main" xmlns="" w="9525">
                 <a:solidFill>
                   <a:srgbClr val="000000"/>
                 </a:solidFill>
@@ -3736,7 +3738,7 @@
           <a:ln/>
           <a:extLst>
             <a:ext uri="{91240B29-F687-4f45-9708-019B960494DF}">
-              <a14:hiddenLine xmlns="" xmlns:a14="http://schemas.microsoft.com/office/drawing/2010/main" w="9525">
+              <a14:hiddenLine xmlns:a14="http://schemas.microsoft.com/office/drawing/2010/main" xmlns="" w="9525">
                 <a:solidFill>
                   <a:srgbClr val="000000"/>
                 </a:solidFill>
@@ -4165,7 +4167,7 @@
           <a:ln/>
           <a:extLst>
             <a:ext uri="{91240B29-F687-4f45-9708-019B960494DF}">
-              <a14:hiddenLine xmlns="" xmlns:a14="http://schemas.microsoft.com/office/drawing/2010/main" w="9525">
+              <a14:hiddenLine xmlns:a14="http://schemas.microsoft.com/office/drawing/2010/main" xmlns="" w="9525">
                 <a:solidFill>
                   <a:srgbClr val="000000"/>
                 </a:solidFill>
@@ -5481,6 +5483,119 @@
     <p:extLst>
       <p:ext uri="{BB962C8B-B14F-4D97-AF65-F5344CB8AC3E}">
         <p14:creationId xmlns:p14="http://schemas.microsoft.com/office/powerpoint/2010/main" val="1370407778"/>
+      </p:ext>
+    </p:extLst>
+  </p:cSld>
+  <p:clrMapOvr>
+    <a:masterClrMapping/>
+  </p:clrMapOvr>
+</p:sld>
+</file>
+
+<file path=ppt/slides/slide10.xml><?xml version="1.0" encoding="utf-8"?>
+<p:sld xmlns:a="http://schemas.openxmlformats.org/drawingml/2006/main" xmlns:r="http://schemas.openxmlformats.org/officeDocument/2006/relationships" xmlns:p="http://schemas.openxmlformats.org/presentationml/2006/main">
+  <p:cSld>
+    <p:spTree>
+      <p:nvGrpSpPr>
+        <p:cNvPr id="1" name=""/>
+        <p:cNvGrpSpPr/>
+        <p:nvPr/>
+      </p:nvGrpSpPr>
+      <p:grpSpPr>
+        <a:xfrm>
+          <a:off x="0" y="0"/>
+          <a:ext cx="0" cy="0"/>
+          <a:chOff x="0" y="0"/>
+          <a:chExt cx="0" cy="0"/>
+        </a:xfrm>
+      </p:grpSpPr>
+      <p:sp>
+        <p:nvSpPr>
+          <p:cNvPr id="2" name="標題 1"/>
+          <p:cNvSpPr>
+            <a:spLocks noGrp="1"/>
+          </p:cNvSpPr>
+          <p:nvPr>
+            <p:ph type="title"/>
+          </p:nvPr>
+        </p:nvSpPr>
+        <p:spPr/>
+        <p:txBody>
+          <a:bodyPr/>
+          <a:lstStyle/>
+          <a:p>
+            <a:r>
+              <a:rPr lang="en-US" altLang="zh-TW" b="0" dirty="0" err="1"/>
+              <a:t>GaussianProcessClassifier</a:t>
+            </a:r>
+            <a:endParaRPr lang="zh-TW" altLang="en-US" dirty="0"/>
+          </a:p>
+        </p:txBody>
+      </p:sp>
+      <p:pic>
+        <p:nvPicPr>
+          <p:cNvPr id="4" name="內容版面配置區 3"/>
+          <p:cNvPicPr>
+            <a:picLocks noGrp="1" noChangeAspect="1"/>
+          </p:cNvPicPr>
+          <p:nvPr>
+            <p:ph idx="1"/>
+          </p:nvPr>
+        </p:nvPicPr>
+        <p:blipFill>
+          <a:blip r:embed="rId2"/>
+          <a:stretch>
+            <a:fillRect/>
+          </a:stretch>
+        </p:blipFill>
+        <p:spPr>
+          <a:xfrm>
+            <a:off x="667826" y="2682815"/>
+            <a:ext cx="8580679" cy="3222550"/>
+          </a:xfrm>
+          <a:prstGeom prst="rect">
+            <a:avLst/>
+          </a:prstGeom>
+        </p:spPr>
+      </p:pic>
+      <p:sp>
+        <p:nvSpPr>
+          <p:cNvPr id="5" name="文字方塊 4"/>
+          <p:cNvSpPr txBox="1"/>
+          <p:nvPr/>
+        </p:nvSpPr>
+        <p:spPr>
+          <a:xfrm>
+            <a:off x="948905" y="2159595"/>
+            <a:ext cx="2324675" cy="523220"/>
+          </a:xfrm>
+          <a:prstGeom prst="rect">
+            <a:avLst/>
+          </a:prstGeom>
+          <a:noFill/>
+        </p:spPr>
+        <p:txBody>
+          <a:bodyPr wrap="none" rtlCol="0">
+            <a:spAutoFit/>
+          </a:bodyPr>
+          <a:lstStyle/>
+          <a:p>
+            <a:r>
+              <a:rPr lang="en-US" altLang="zh-TW" sz="2800" dirty="0" err="1" smtClean="0"/>
+              <a:t>Test_size</a:t>
+            </a:r>
+            <a:r>
+              <a:rPr lang="en-US" altLang="zh-TW" sz="2800" dirty="0" smtClean="0"/>
+              <a:t>=0.4</a:t>
+            </a:r>
+            <a:endParaRPr lang="zh-TW" altLang="en-US" sz="2800" dirty="0"/>
+          </a:p>
+        </p:txBody>
+      </p:sp>
+    </p:spTree>
+    <p:extLst>
+      <p:ext uri="{BB962C8B-B14F-4D97-AF65-F5344CB8AC3E}">
+        <p14:creationId xmlns:p14="http://schemas.microsoft.com/office/powerpoint/2010/main" val="1279201985"/>
       </p:ext>
     </p:extLst>
   </p:cSld>
@@ -6202,7 +6317,7 @@
         </p:blipFill>
         <p:spPr>
           <a:xfrm>
-            <a:off x="2606492" y="2261936"/>
+            <a:off x="2416711" y="2943422"/>
             <a:ext cx="6979014" cy="2195889"/>
           </a:xfrm>
           <a:prstGeom prst="rect">
@@ -6281,14 +6396,54 @@
         </p:blipFill>
         <p:spPr>
           <a:xfrm>
-            <a:off x="351223" y="2326106"/>
-            <a:ext cx="12449123" cy="2054016"/>
+            <a:off x="351223" y="2981714"/>
+            <a:ext cx="11311595" cy="1866332"/>
           </a:xfrm>
           <a:prstGeom prst="rect">
             <a:avLst/>
           </a:prstGeom>
         </p:spPr>
       </p:pic>
+      <p:sp>
+        <p:nvSpPr>
+          <p:cNvPr id="6" name="矩形 5"/>
+          <p:cNvSpPr/>
+          <p:nvPr/>
+        </p:nvSpPr>
+        <p:spPr>
+          <a:xfrm>
+            <a:off x="6944264" y="2981714"/>
+            <a:ext cx="4437734" cy="391214"/>
+          </a:xfrm>
+          <a:prstGeom prst="rect">
+            <a:avLst/>
+          </a:prstGeom>
+          <a:noFill/>
+          <a:ln w="38100"/>
+        </p:spPr>
+        <p:style>
+          <a:lnRef idx="2">
+            <a:schemeClr val="accent6"/>
+          </a:lnRef>
+          <a:fillRef idx="1">
+            <a:schemeClr val="lt1"/>
+          </a:fillRef>
+          <a:effectRef idx="0">
+            <a:schemeClr val="accent6"/>
+          </a:effectRef>
+          <a:fontRef idx="minor">
+            <a:schemeClr val="dk1"/>
+          </a:fontRef>
+        </p:style>
+        <p:txBody>
+          <a:bodyPr rtlCol="0" anchor="ctr"/>
+          <a:lstStyle/>
+          <a:p>
+            <a:pPr algn="ctr"/>
+            <a:endParaRPr lang="zh-TW" altLang="en-US"/>
+          </a:p>
+        </p:txBody>
+      </p:sp>
     </p:spTree>
     <p:extLst>
       <p:ext uri="{BB962C8B-B14F-4D97-AF65-F5344CB8AC3E}">
@@ -6338,36 +6493,19 @@
               <a:rPr lang="en-US" altLang="zh-TW" b="0" dirty="0" err="1"/>
               <a:t>GaussianProcessClassifier</a:t>
             </a:r>
-            <a:endParaRPr lang="zh-TW" altLang="en-US" b="0" dirty="0"/>
-          </a:p>
-        </p:txBody>
-      </p:sp>
-      <p:sp>
-        <p:nvSpPr>
-          <p:cNvPr id="3" name="內容版面配置區 2"/>
-          <p:cNvSpPr>
-            <a:spLocks noGrp="1"/>
-          </p:cNvSpPr>
-          <p:nvPr>
-            <p:ph idx="1"/>
-          </p:nvPr>
-        </p:nvSpPr>
-        <p:spPr/>
-        <p:txBody>
-          <a:bodyPr/>
-          <a:lstStyle/>
-          <a:p>
-            <a:endParaRPr lang="zh-TW" altLang="en-US"/>
+            <a:endParaRPr lang="zh-TW" altLang="en-US" dirty="0"/>
           </a:p>
         </p:txBody>
       </p:sp>
       <p:pic>
         <p:nvPicPr>
-          <p:cNvPr id="4" name="圖片 3"/>
+          <p:cNvPr id="4" name="內容版面配置區 3"/>
           <p:cNvPicPr>
-            <a:picLocks noChangeAspect="1"/>
+            <a:picLocks noGrp="1" noChangeAspect="1"/>
           </p:cNvPicPr>
-          <p:nvPr/>
+          <p:nvPr>
+            <p:ph idx="1"/>
+          </p:nvPr>
         </p:nvPicPr>
         <p:blipFill>
           <a:blip r:embed="rId2"/>
@@ -6377,18 +6515,122 @@
         </p:blipFill>
         <p:spPr>
           <a:xfrm>
-            <a:off x="818712" y="2222287"/>
-            <a:ext cx="10676181" cy="2490287"/>
+            <a:off x="184030" y="3741763"/>
+            <a:ext cx="12007970" cy="726559"/>
           </a:xfrm>
           <a:prstGeom prst="rect">
             <a:avLst/>
           </a:prstGeom>
         </p:spPr>
       </p:pic>
+      <p:sp>
+        <p:nvSpPr>
+          <p:cNvPr id="6" name="矩形 5"/>
+          <p:cNvSpPr/>
+          <p:nvPr/>
+        </p:nvSpPr>
+        <p:spPr>
+          <a:xfrm>
+            <a:off x="8479767" y="4012953"/>
+            <a:ext cx="1794294" cy="391214"/>
+          </a:xfrm>
+          <a:prstGeom prst="rect">
+            <a:avLst/>
+          </a:prstGeom>
+          <a:noFill/>
+          <a:ln w="38100"/>
+        </p:spPr>
+        <p:style>
+          <a:lnRef idx="2">
+            <a:schemeClr val="accent6"/>
+          </a:lnRef>
+          <a:fillRef idx="1">
+            <a:schemeClr val="lt1"/>
+          </a:fillRef>
+          <a:effectRef idx="0">
+            <a:schemeClr val="accent6"/>
+          </a:effectRef>
+          <a:fontRef idx="minor">
+            <a:schemeClr val="dk1"/>
+          </a:fontRef>
+        </p:style>
+        <p:txBody>
+          <a:bodyPr rtlCol="0" anchor="ctr"/>
+          <a:lstStyle/>
+          <a:p>
+            <a:pPr algn="ctr"/>
+            <a:endParaRPr lang="zh-TW" altLang="en-US"/>
+          </a:p>
+        </p:txBody>
+      </p:sp>
+      <p:pic>
+        <p:nvPicPr>
+          <p:cNvPr id="3" name="圖片 2"/>
+          <p:cNvPicPr>
+            <a:picLocks noChangeAspect="1"/>
+          </p:cNvPicPr>
+          <p:nvPr/>
+        </p:nvPicPr>
+        <p:blipFill>
+          <a:blip r:embed="rId3"/>
+          <a:stretch>
+            <a:fillRect/>
+          </a:stretch>
+        </p:blipFill>
+        <p:spPr>
+          <a:xfrm>
+            <a:off x="184030" y="4675357"/>
+            <a:ext cx="12007970" cy="665808"/>
+          </a:xfrm>
+          <a:prstGeom prst="rect">
+            <a:avLst/>
+          </a:prstGeom>
+        </p:spPr>
+      </p:pic>
+      <p:sp>
+        <p:nvSpPr>
+          <p:cNvPr id="7" name="矩形 6"/>
+          <p:cNvSpPr/>
+          <p:nvPr/>
+        </p:nvSpPr>
+        <p:spPr>
+          <a:xfrm>
+            <a:off x="8580408" y="4949951"/>
+            <a:ext cx="1794294" cy="391214"/>
+          </a:xfrm>
+          <a:prstGeom prst="rect">
+            <a:avLst/>
+          </a:prstGeom>
+          <a:noFill/>
+          <a:ln w="38100"/>
+        </p:spPr>
+        <p:style>
+          <a:lnRef idx="2">
+            <a:schemeClr val="accent6"/>
+          </a:lnRef>
+          <a:fillRef idx="1">
+            <a:schemeClr val="lt1"/>
+          </a:fillRef>
+          <a:effectRef idx="0">
+            <a:schemeClr val="accent6"/>
+          </a:effectRef>
+          <a:fontRef idx="minor">
+            <a:schemeClr val="dk1"/>
+          </a:fontRef>
+        </p:style>
+        <p:txBody>
+          <a:bodyPr rtlCol="0" anchor="ctr"/>
+          <a:lstStyle/>
+          <a:p>
+            <a:pPr algn="ctr"/>
+            <a:endParaRPr lang="zh-TW" altLang="en-US"/>
+          </a:p>
+        </p:txBody>
+      </p:sp>
     </p:spTree>
     <p:extLst>
       <p:ext uri="{BB962C8B-B14F-4D97-AF65-F5344CB8AC3E}">
-        <p14:creationId xmlns:p14="http://schemas.microsoft.com/office/powerpoint/2010/main" val="3690318281"/>
+        <p14:creationId xmlns:p14="http://schemas.microsoft.com/office/powerpoint/2010/main" val="545838758"/>
       </p:ext>
     </p:extLst>
   </p:cSld>
@@ -6438,32 +6680,15 @@
           </a:p>
         </p:txBody>
       </p:sp>
-      <p:sp>
-        <p:nvSpPr>
-          <p:cNvPr id="3" name="內容版面配置區 2"/>
-          <p:cNvSpPr>
-            <a:spLocks noGrp="1"/>
-          </p:cNvSpPr>
-          <p:nvPr>
-            <p:ph idx="1"/>
-          </p:nvPr>
-        </p:nvSpPr>
-        <p:spPr/>
-        <p:txBody>
-          <a:bodyPr/>
-          <a:lstStyle/>
-          <a:p>
-            <a:endParaRPr lang="zh-TW" altLang="en-US"/>
-          </a:p>
-        </p:txBody>
-      </p:sp>
       <p:pic>
         <p:nvPicPr>
-          <p:cNvPr id="5" name="圖片 4"/>
+          <p:cNvPr id="5" name="內容版面配置區 4"/>
           <p:cNvPicPr>
-            <a:picLocks noChangeAspect="1"/>
+            <a:picLocks noGrp="1" noChangeAspect="1"/>
           </p:cNvPicPr>
-          <p:nvPr/>
+          <p:nvPr>
+            <p:ph idx="1"/>
+          </p:nvPr>
         </p:nvPicPr>
         <p:blipFill>
           <a:blip r:embed="rId2"/>
@@ -6473,18 +6698,134 @@
         </p:blipFill>
         <p:spPr>
           <a:xfrm>
-            <a:off x="818711" y="2195654"/>
-            <a:ext cx="11160861" cy="2633020"/>
+            <a:off x="2009157" y="4597879"/>
+            <a:ext cx="8734294" cy="1513712"/>
           </a:xfrm>
           <a:prstGeom prst="rect">
             <a:avLst/>
           </a:prstGeom>
         </p:spPr>
       </p:pic>
+      <p:pic>
+        <p:nvPicPr>
+          <p:cNvPr id="4" name="圖片 3"/>
+          <p:cNvPicPr>
+            <a:picLocks noChangeAspect="1"/>
+          </p:cNvPicPr>
+          <p:nvPr/>
+        </p:nvPicPr>
+        <p:blipFill>
+          <a:blip r:embed="rId3"/>
+          <a:stretch>
+            <a:fillRect/>
+          </a:stretch>
+        </p:blipFill>
+        <p:spPr>
+          <a:xfrm>
+            <a:off x="2009157" y="2274045"/>
+            <a:ext cx="8351167" cy="1947963"/>
+          </a:xfrm>
+          <a:prstGeom prst="rect">
+            <a:avLst/>
+          </a:prstGeom>
+        </p:spPr>
+      </p:pic>
+      <p:sp>
+        <p:nvSpPr>
+          <p:cNvPr id="6" name="文字方塊 5"/>
+          <p:cNvSpPr txBox="1"/>
+          <p:nvPr/>
+        </p:nvSpPr>
+        <p:spPr>
+          <a:xfrm>
+            <a:off x="6134953" y="3586039"/>
+            <a:ext cx="2324675" cy="523220"/>
+          </a:xfrm>
+          <a:prstGeom prst="rect">
+            <a:avLst/>
+          </a:prstGeom>
+          <a:noFill/>
+        </p:spPr>
+        <p:txBody>
+          <a:bodyPr wrap="none" rtlCol="0">
+            <a:spAutoFit/>
+          </a:bodyPr>
+          <a:lstStyle/>
+          <a:p>
+            <a:r>
+              <a:rPr lang="en-US" altLang="zh-TW" sz="2800" dirty="0" err="1" smtClean="0">
+                <a:solidFill>
+                  <a:schemeClr val="bg1"/>
+                </a:solidFill>
+              </a:rPr>
+              <a:t>Test_size</a:t>
+            </a:r>
+            <a:r>
+              <a:rPr lang="en-US" altLang="zh-TW" sz="2800" dirty="0" smtClean="0">
+                <a:solidFill>
+                  <a:schemeClr val="bg1"/>
+                </a:solidFill>
+              </a:rPr>
+              <a:t>=0.2</a:t>
+            </a:r>
+            <a:endParaRPr lang="zh-TW" altLang="en-US" sz="2800" dirty="0">
+              <a:solidFill>
+                <a:schemeClr val="bg1"/>
+              </a:solidFill>
+            </a:endParaRPr>
+          </a:p>
+        </p:txBody>
+      </p:sp>
+      <p:sp>
+        <p:nvSpPr>
+          <p:cNvPr id="7" name="文字方塊 6"/>
+          <p:cNvSpPr txBox="1"/>
+          <p:nvPr/>
+        </p:nvSpPr>
+        <p:spPr>
+          <a:xfrm>
+            <a:off x="6184740" y="5534002"/>
+            <a:ext cx="2324675" cy="523220"/>
+          </a:xfrm>
+          <a:prstGeom prst="rect">
+            <a:avLst/>
+          </a:prstGeom>
+          <a:noFill/>
+        </p:spPr>
+        <p:txBody>
+          <a:bodyPr wrap="none" rtlCol="0">
+            <a:spAutoFit/>
+          </a:bodyPr>
+          <a:lstStyle/>
+          <a:p>
+            <a:r>
+              <a:rPr lang="en-US" altLang="zh-TW" sz="2800" dirty="0" err="1" smtClean="0">
+                <a:solidFill>
+                  <a:schemeClr val="bg1"/>
+                </a:solidFill>
+              </a:rPr>
+              <a:t>Test_size</a:t>
+            </a:r>
+            <a:r>
+              <a:rPr lang="en-US" altLang="zh-TW" sz="2800" dirty="0" smtClean="0">
+                <a:solidFill>
+                  <a:schemeClr val="bg1"/>
+                </a:solidFill>
+              </a:rPr>
+              <a:t>=0.4</a:t>
+            </a:r>
+            <a:endParaRPr lang="zh-TW" altLang="en-US" sz="2800" dirty="0">
+              <a:solidFill>
+                <a:schemeClr val="bg1"/>
+              </a:solidFill>
+            </a:endParaRPr>
+          </a:p>
+        </p:txBody>
+      </p:sp>
     </p:spTree>
     <p:extLst>
       <p:ext uri="{BB962C8B-B14F-4D97-AF65-F5344CB8AC3E}">
-        <p14:creationId xmlns:p14="http://schemas.microsoft.com/office/powerpoint/2010/main" val="3103553431"/>
+        <p14:creationId xmlns:p14="http://schemas.microsoft.com/office/powerpoint/2010/main" val="3690318281"/>
       </p:ext>
     </p:extLst>
   </p:cSld>
@@ -6552,7 +6893,202 @@
         </p:blipFill>
         <p:spPr>
           <a:xfrm>
-            <a:off x="962526" y="2002569"/>
+            <a:off x="1370804" y="4451230"/>
+            <a:ext cx="9528299" cy="2060592"/>
+          </a:xfrm>
+          <a:prstGeom prst="rect">
+            <a:avLst/>
+          </a:prstGeom>
+        </p:spPr>
+      </p:pic>
+      <p:pic>
+        <p:nvPicPr>
+          <p:cNvPr id="5" name="圖片 4"/>
+          <p:cNvPicPr>
+            <a:picLocks noChangeAspect="1"/>
+          </p:cNvPicPr>
+          <p:nvPr/>
+        </p:nvPicPr>
+        <p:blipFill>
+          <a:blip r:embed="rId3"/>
+          <a:stretch>
+            <a:fillRect/>
+          </a:stretch>
+        </p:blipFill>
+        <p:spPr>
+          <a:xfrm>
+            <a:off x="1370804" y="1989374"/>
+            <a:ext cx="9705514" cy="2301134"/>
+          </a:xfrm>
+          <a:prstGeom prst="rect">
+            <a:avLst/>
+          </a:prstGeom>
+        </p:spPr>
+      </p:pic>
+      <p:sp>
+        <p:nvSpPr>
+          <p:cNvPr id="6" name="文字方塊 5"/>
+          <p:cNvSpPr txBox="1"/>
+          <p:nvPr/>
+        </p:nvSpPr>
+        <p:spPr>
+          <a:xfrm>
+            <a:off x="6134953" y="3586039"/>
+            <a:ext cx="2324675" cy="523220"/>
+          </a:xfrm>
+          <a:prstGeom prst="rect">
+            <a:avLst/>
+          </a:prstGeom>
+          <a:noFill/>
+        </p:spPr>
+        <p:txBody>
+          <a:bodyPr wrap="none" rtlCol="0">
+            <a:spAutoFit/>
+          </a:bodyPr>
+          <a:lstStyle/>
+          <a:p>
+            <a:r>
+              <a:rPr lang="en-US" altLang="zh-TW" sz="2800" dirty="0" err="1" smtClean="0">
+                <a:solidFill>
+                  <a:schemeClr val="bg1"/>
+                </a:solidFill>
+              </a:rPr>
+              <a:t>Test_size</a:t>
+            </a:r>
+            <a:r>
+              <a:rPr lang="en-US" altLang="zh-TW" sz="2800" dirty="0" smtClean="0">
+                <a:solidFill>
+                  <a:schemeClr val="bg1"/>
+                </a:solidFill>
+              </a:rPr>
+              <a:t>=0.2</a:t>
+            </a:r>
+            <a:endParaRPr lang="zh-TW" altLang="en-US" sz="2800" dirty="0">
+              <a:solidFill>
+                <a:schemeClr val="bg1"/>
+              </a:solidFill>
+            </a:endParaRPr>
+          </a:p>
+        </p:txBody>
+      </p:sp>
+      <p:sp>
+        <p:nvSpPr>
+          <p:cNvPr id="7" name="文字方塊 6"/>
+          <p:cNvSpPr txBox="1"/>
+          <p:nvPr/>
+        </p:nvSpPr>
+        <p:spPr>
+          <a:xfrm>
+            <a:off x="6134953" y="5705924"/>
+            <a:ext cx="2324675" cy="523220"/>
+          </a:xfrm>
+          <a:prstGeom prst="rect">
+            <a:avLst/>
+          </a:prstGeom>
+          <a:noFill/>
+        </p:spPr>
+        <p:txBody>
+          <a:bodyPr wrap="none" rtlCol="0">
+            <a:spAutoFit/>
+          </a:bodyPr>
+          <a:lstStyle/>
+          <a:p>
+            <a:r>
+              <a:rPr lang="en-US" altLang="zh-TW" sz="2800" dirty="0" err="1" smtClean="0">
+                <a:solidFill>
+                  <a:schemeClr val="bg1"/>
+                </a:solidFill>
+              </a:rPr>
+              <a:t>Test_size</a:t>
+            </a:r>
+            <a:r>
+              <a:rPr lang="en-US" altLang="zh-TW" sz="2800" dirty="0" smtClean="0">
+                <a:solidFill>
+                  <a:schemeClr val="bg1"/>
+                </a:solidFill>
+              </a:rPr>
+              <a:t>=0.4</a:t>
+            </a:r>
+            <a:endParaRPr lang="zh-TW" altLang="en-US" sz="2800" dirty="0">
+              <a:solidFill>
+                <a:schemeClr val="bg1"/>
+              </a:solidFill>
+            </a:endParaRPr>
+          </a:p>
+        </p:txBody>
+      </p:sp>
+    </p:spTree>
+    <p:extLst>
+      <p:ext uri="{BB962C8B-B14F-4D97-AF65-F5344CB8AC3E}">
+        <p14:creationId xmlns:p14="http://schemas.microsoft.com/office/powerpoint/2010/main" val="3103553431"/>
+      </p:ext>
+    </p:extLst>
+  </p:cSld>
+  <p:clrMapOvr>
+    <a:masterClrMapping/>
+  </p:clrMapOvr>
+</p:sld>
+</file>
+
+<file path=ppt/slides/slide9.xml><?xml version="1.0" encoding="utf-8"?>
+<p:sld xmlns:a="http://schemas.openxmlformats.org/drawingml/2006/main" xmlns:r="http://schemas.openxmlformats.org/officeDocument/2006/relationships" xmlns:p="http://schemas.openxmlformats.org/presentationml/2006/main">
+  <p:cSld>
+    <p:spTree>
+      <p:nvGrpSpPr>
+        <p:cNvPr id="1" name=""/>
+        <p:cNvGrpSpPr/>
+        <p:nvPr/>
+      </p:nvGrpSpPr>
+      <p:grpSpPr>
+        <a:xfrm>
+          <a:off x="0" y="0"/>
+          <a:ext cx="0" cy="0"/>
+          <a:chOff x="0" y="0"/>
+          <a:chExt cx="0" cy="0"/>
+        </a:xfrm>
+      </p:grpSpPr>
+      <p:sp>
+        <p:nvSpPr>
+          <p:cNvPr id="2" name="標題 1"/>
+          <p:cNvSpPr>
+            <a:spLocks noGrp="1"/>
+          </p:cNvSpPr>
+          <p:nvPr>
+            <p:ph type="title"/>
+          </p:nvPr>
+        </p:nvSpPr>
+        <p:spPr/>
+        <p:txBody>
+          <a:bodyPr/>
+          <a:lstStyle/>
+          <a:p>
+            <a:r>
+              <a:rPr lang="en-US" altLang="zh-TW" b="0" dirty="0" err="1"/>
+              <a:t>GaussianProcessClassifier</a:t>
+            </a:r>
+            <a:endParaRPr lang="zh-TW" altLang="en-US" b="0" dirty="0"/>
+          </a:p>
+        </p:txBody>
+      </p:sp>
+      <p:pic>
+        <p:nvPicPr>
+          <p:cNvPr id="4" name="內容版面配置區 3"/>
+          <p:cNvPicPr>
+            <a:picLocks noGrp="1" noChangeAspect="1"/>
+          </p:cNvPicPr>
+          <p:nvPr>
+            <p:ph idx="1"/>
+          </p:nvPr>
+        </p:nvPicPr>
+        <p:blipFill>
+          <a:blip r:embed="rId2"/>
+          <a:stretch>
+            <a:fillRect/>
+          </a:stretch>
+        </p:blipFill>
+        <p:spPr>
+          <a:xfrm>
+            <a:off x="810000" y="2640923"/>
             <a:ext cx="9994231" cy="3968536"/>
           </a:xfrm>
           <a:prstGeom prst="rect">
@@ -6560,6 +7096,40 @@
           </a:prstGeom>
         </p:spPr>
       </p:pic>
+      <p:sp>
+        <p:nvSpPr>
+          <p:cNvPr id="5" name="文字方塊 4"/>
+          <p:cNvSpPr txBox="1"/>
+          <p:nvPr/>
+        </p:nvSpPr>
+        <p:spPr>
+          <a:xfrm>
+            <a:off x="948905" y="2159595"/>
+            <a:ext cx="2324675" cy="523220"/>
+          </a:xfrm>
+          <a:prstGeom prst="rect">
+            <a:avLst/>
+          </a:prstGeom>
+          <a:noFill/>
+        </p:spPr>
+        <p:txBody>
+          <a:bodyPr wrap="none" rtlCol="0">
+            <a:spAutoFit/>
+          </a:bodyPr>
+          <a:lstStyle/>
+          <a:p>
+            <a:r>
+              <a:rPr lang="en-US" altLang="zh-TW" sz="2800" dirty="0" err="1" smtClean="0"/>
+              <a:t>Test_size</a:t>
+            </a:r>
+            <a:r>
+              <a:rPr lang="en-US" altLang="zh-TW" sz="2800" dirty="0" smtClean="0"/>
+              <a:t>=0.2</a:t>
+            </a:r>
+            <a:endParaRPr lang="zh-TW" altLang="en-US" sz="2800" dirty="0"/>
+          </a:p>
+        </p:txBody>
+      </p:sp>
     </p:spTree>
     <p:extLst>
       <p:ext uri="{BB962C8B-B14F-4D97-AF65-F5344CB8AC3E}">
